--- a/Deep proximal inference causal effect estimation model.pptx
+++ b/Deep proximal inference causal effect estimation model.pptx
@@ -8,11 +8,14 @@
     <p:sldId id="257" r:id="rId3"/>
     <p:sldId id="256" r:id="rId4"/>
     <p:sldId id="259" r:id="rId5"/>
+    <p:sldId id="264" r:id="rId6"/>
+    <p:sldId id="261" r:id="rId7"/>
+    <p:sldId id="260" r:id="rId8"/>
   </p:sldIdLst>
   <p:sldSz cx="12192000" cy="6858000"/>
   <p:notesSz cx="6858000" cy="9144000"/>
   <p:custDataLst>
-    <p:tags r:id="rId9"/>
+    <p:tags r:id="rId12"/>
   </p:custDataLst>
   <p:defaultTextStyle>
     <a:defPPr>
@@ -4240,7 +4243,7 @@
         </p:nvSpPr>
         <p:spPr>
           <a:xfrm>
-            <a:off x="6148070" y="2458085"/>
+            <a:off x="6078220" y="1542415"/>
             <a:ext cx="551815" cy="368300"/>
           </a:xfrm>
           <a:prstGeom prst="rect">
@@ -4259,7 +4262,7 @@
             </a:r>
             <a:r>
               <a:rPr lang="en-US" altLang="zh-CN" baseline="-25000"/>
-              <a:t>2</a:t>
+              <a:t>0</a:t>
             </a:r>
             <a:endParaRPr lang="en-US" altLang="zh-CN" baseline="-25000"/>
           </a:p>
@@ -5278,9 +5281,7 @@
       <p:cxnSp>
         <p:nvCxnSpPr>
           <p:cNvPr id="120" name="直接箭头连接符 119"/>
-          <p:cNvCxnSpPr>
-            <a:stCxn id="68" idx="0"/>
-          </p:cNvCxnSpPr>
+          <p:cNvCxnSpPr/>
           <p:nvPr>
             <p:custDataLst>
               <p:tags r:id="rId31"/>
@@ -5289,7 +5290,7 @@
         </p:nvCxnSpPr>
         <p:spPr>
           <a:xfrm flipV="1">
-            <a:off x="9258300" y="2437130"/>
+            <a:off x="9290685" y="2433955"/>
             <a:ext cx="0" cy="1588135"/>
           </a:xfrm>
           <a:prstGeom prst="straightConnector1">
@@ -6404,16 +6405,61 @@
           </a:fontRef>
         </p:style>
       </p:cxnSp>
-      <p:sp>
-        <p:nvSpPr>
-          <p:cNvPr id="152" name="文本框 151"/>
+      <p:cxnSp>
+        <p:nvCxnSpPr>
+          <p:cNvPr id="3" name="直接箭头连接符 2"/>
+          <p:cNvCxnSpPr/>
+          <p:nvPr>
+            <p:custDataLst>
+              <p:tags r:id="rId60"/>
+            </p:custDataLst>
+          </p:nvPr>
+        </p:nvCxnSpPr>
+        <p:spPr>
+          <a:xfrm flipV="1">
+            <a:off x="6290945" y="2458085"/>
+            <a:ext cx="0" cy="1588135"/>
+          </a:xfrm>
+          <a:prstGeom prst="straightConnector1">
+            <a:avLst/>
+          </a:prstGeom>
+          <a:ln>
+            <a:solidFill>
+              <a:schemeClr val="accent2"/>
+            </a:solidFill>
+            <a:headEnd type="triangle"/>
+            <a:tailEnd type="triangle" w="med" len="med"/>
+          </a:ln>
+        </p:spPr>
+        <p:style>
+          <a:lnRef idx="1">
+            <a:schemeClr val="accent1"/>
+          </a:lnRef>
+          <a:fillRef idx="0">
+            <a:schemeClr val="accent1"/>
+          </a:fillRef>
+          <a:effectRef idx="0">
+            <a:schemeClr val="accent1"/>
+          </a:effectRef>
+          <a:fontRef idx="minor">
+            <a:schemeClr val="tx1"/>
+          </a:fontRef>
+        </p:style>
+      </p:cxnSp>
+      <p:sp>
+        <p:nvSpPr>
+          <p:cNvPr id="4" name="文本框 3"/>
           <p:cNvSpPr txBox="1"/>
-          <p:nvPr/>
-        </p:nvSpPr>
-        <p:spPr>
-          <a:xfrm>
-            <a:off x="5487670" y="1334135"/>
-            <a:ext cx="2016760" cy="368300"/>
+          <p:nvPr>
+            <p:custDataLst>
+              <p:tags r:id="rId61"/>
+            </p:custDataLst>
+          </p:nvPr>
+        </p:nvSpPr>
+        <p:spPr>
+          <a:xfrm>
+            <a:off x="6416675" y="2998470"/>
+            <a:ext cx="577850" cy="368300"/>
           </a:xfrm>
           <a:prstGeom prst="rect">
             <a:avLst/>
@@ -6427,29 +6473,13 @@
           <a:p>
             <a:r>
               <a:rPr lang="en-US" altLang="zh-CN"/>
-              <a:t>X</a:t>
+              <a:t>L</a:t>
             </a:r>
             <a:r>
               <a:rPr lang="en-US" altLang="zh-CN" baseline="-25000"/>
-              <a:t>1</a:t>
-            </a:r>
-            <a:r>
-              <a:rPr lang="zh-CN" altLang="en-US"/>
-              <a:t>，</a:t>
-            </a:r>
-            <a:r>
-              <a:rPr lang="en-US" altLang="zh-CN"/>
-              <a:t>X</a:t>
-            </a:r>
-            <a:r>
-              <a:rPr lang="en-US" altLang="zh-CN" baseline="-25000"/>
-              <a:t>2</a:t>
-            </a:r>
-            <a:r>
-              <a:rPr lang="en-US" altLang="zh-CN" sz="1800"/>
-              <a:t>独立性衡量</a:t>
-            </a:r>
-            <a:endParaRPr lang="en-US" altLang="zh-CN" sz="1800"/>
+              <a:t>M</a:t>
+            </a:r>
+            <a:endParaRPr lang="en-US" altLang="zh-CN" baseline="-25000"/>
           </a:p>
         </p:txBody>
       </p:sp>
@@ -6461,6 +6491,1390 @@
 </p:sld>
 </file>
 
+<file path=ppt/slides/slide4.xml><?xml version="1.0" encoding="utf-8"?>
+<p:sld xmlns:a="http://schemas.openxmlformats.org/drawingml/2006/main" xmlns:r="http://schemas.openxmlformats.org/officeDocument/2006/relationships" xmlns:p="http://schemas.openxmlformats.org/presentationml/2006/main">
+  <p:cSld>
+    <p:spTree>
+      <p:nvGrpSpPr>
+        <p:cNvPr id="1" name=""/>
+        <p:cNvGrpSpPr/>
+        <p:nvPr/>
+      </p:nvGrpSpPr>
+      <p:grpSpPr/>
+      <p:sp>
+        <p:nvSpPr>
+          <p:cNvPr id="2" name="矩形 1"/>
+          <p:cNvSpPr/>
+          <p:nvPr>
+            <p:custDataLst>
+              <p:tags r:id="rId1"/>
+            </p:custDataLst>
+          </p:nvPr>
+        </p:nvSpPr>
+        <p:spPr>
+          <a:xfrm>
+            <a:off x="1725295" y="2998470"/>
+            <a:ext cx="285750" cy="517525"/>
+          </a:xfrm>
+          <a:prstGeom prst="rect">
+            <a:avLst/>
+          </a:prstGeom>
+          <a:solidFill>
+            <a:schemeClr val="bg1">
+              <a:lumMod val="65000"/>
+            </a:schemeClr>
+          </a:solidFill>
+          <a:ln>
+            <a:noFill/>
+          </a:ln>
+        </p:spPr>
+        <p:style>
+          <a:lnRef idx="2">
+            <a:schemeClr val="accent3">
+              <a:shade val="50000"/>
+            </a:schemeClr>
+          </a:lnRef>
+          <a:fillRef idx="1">
+            <a:schemeClr val="accent3"/>
+          </a:fillRef>
+          <a:effectRef idx="0">
+            <a:schemeClr val="accent3"/>
+          </a:effectRef>
+          <a:fontRef idx="minor">
+            <a:schemeClr val="lt1"/>
+          </a:fontRef>
+        </p:style>
+        <p:txBody>
+          <a:bodyPr rtlCol="0" anchor="ctr"/>
+          <a:p>
+            <a:pPr algn="ctr"/>
+            <a:endParaRPr lang="en-US" altLang="zh-CN"/>
+          </a:p>
+        </p:txBody>
+      </p:sp>
+      <p:sp>
+        <p:nvSpPr>
+          <p:cNvPr id="8" name="文本框 7"/>
+          <p:cNvSpPr txBox="1"/>
+          <p:nvPr>
+            <p:custDataLst>
+              <p:tags r:id="rId2"/>
+            </p:custDataLst>
+          </p:nvPr>
+        </p:nvSpPr>
+        <p:spPr>
+          <a:xfrm>
+            <a:off x="1442085" y="3072765"/>
+            <a:ext cx="153035" cy="368300"/>
+          </a:xfrm>
+          <a:prstGeom prst="rect">
+            <a:avLst/>
+          </a:prstGeom>
+          <a:noFill/>
+        </p:spPr>
+        <p:txBody>
+          <a:bodyPr wrap="square" rtlCol="0">
+            <a:spAutoFit/>
+          </a:bodyPr>
+          <a:p>
+            <a:r>
+              <a:rPr lang="en-US" altLang="zh-CN"/>
+              <a:t>X</a:t>
+            </a:r>
+            <a:endParaRPr lang="en-US" altLang="zh-CN"/>
+          </a:p>
+        </p:txBody>
+      </p:sp>
+      <p:cxnSp>
+        <p:nvCxnSpPr>
+          <p:cNvPr id="10" name="直接连接符 9"/>
+          <p:cNvCxnSpPr/>
+          <p:nvPr>
+            <p:custDataLst>
+              <p:tags r:id="rId3"/>
+            </p:custDataLst>
+          </p:nvPr>
+        </p:nvCxnSpPr>
+        <p:spPr>
+          <a:xfrm flipV="1">
+            <a:off x="2011045" y="3247390"/>
+            <a:ext cx="666115" cy="6985"/>
+          </a:xfrm>
+          <a:prstGeom prst="line">
+            <a:avLst/>
+          </a:prstGeom>
+          <a:ln w="12700" cmpd="sng">
+            <a:solidFill>
+              <a:schemeClr val="tx1"/>
+            </a:solidFill>
+            <a:prstDash val="solid"/>
+          </a:ln>
+        </p:spPr>
+        <p:style>
+          <a:lnRef idx="1">
+            <a:schemeClr val="accent1"/>
+          </a:lnRef>
+          <a:fillRef idx="0">
+            <a:schemeClr val="accent1"/>
+          </a:fillRef>
+          <a:effectRef idx="0">
+            <a:schemeClr val="accent1"/>
+          </a:effectRef>
+          <a:fontRef idx="minor">
+            <a:schemeClr val="tx1"/>
+          </a:fontRef>
+        </p:style>
+      </p:cxnSp>
+      <p:cxnSp>
+        <p:nvCxnSpPr>
+          <p:cNvPr id="62" name="直接箭头连接符 61"/>
+          <p:cNvCxnSpPr>
+            <a:stCxn id="16" idx="3"/>
+            <a:endCxn id="68" idx="1"/>
+          </p:cNvCxnSpPr>
+          <p:nvPr>
+            <p:custDataLst>
+              <p:tags r:id="rId4"/>
+            </p:custDataLst>
+          </p:nvPr>
+        </p:nvCxnSpPr>
+        <p:spPr>
+          <a:xfrm>
+            <a:off x="8605520" y="4375785"/>
+            <a:ext cx="556260" cy="13335"/>
+          </a:xfrm>
+          <a:prstGeom prst="straightConnector1">
+            <a:avLst/>
+          </a:prstGeom>
+          <a:ln>
+            <a:solidFill>
+              <a:schemeClr val="tx1"/>
+            </a:solidFill>
+            <a:tailEnd type="triangle"/>
+          </a:ln>
+        </p:spPr>
+        <p:style>
+          <a:lnRef idx="1">
+            <a:schemeClr val="accent1"/>
+          </a:lnRef>
+          <a:fillRef idx="0">
+            <a:schemeClr val="accent1"/>
+          </a:fillRef>
+          <a:effectRef idx="0">
+            <a:schemeClr val="accent1"/>
+          </a:effectRef>
+          <a:fontRef idx="minor">
+            <a:schemeClr val="tx1"/>
+          </a:fontRef>
+        </p:style>
+      </p:cxnSp>
+      <p:cxnSp>
+        <p:nvCxnSpPr>
+          <p:cNvPr id="63" name="直接箭头连接符 62"/>
+          <p:cNvCxnSpPr/>
+          <p:nvPr>
+            <p:custDataLst>
+              <p:tags r:id="rId5"/>
+            </p:custDataLst>
+          </p:nvPr>
+        </p:nvCxnSpPr>
+        <p:spPr>
+          <a:xfrm>
+            <a:off x="9284970" y="4647565"/>
+            <a:ext cx="5715" cy="504190"/>
+          </a:xfrm>
+          <a:prstGeom prst="straightConnector1">
+            <a:avLst/>
+          </a:prstGeom>
+          <a:ln>
+            <a:solidFill>
+              <a:schemeClr val="accent2"/>
+            </a:solidFill>
+            <a:tailEnd type="triangle"/>
+          </a:ln>
+        </p:spPr>
+        <p:style>
+          <a:lnRef idx="1">
+            <a:schemeClr val="accent1"/>
+          </a:lnRef>
+          <a:fillRef idx="0">
+            <a:schemeClr val="accent1"/>
+          </a:fillRef>
+          <a:effectRef idx="0">
+            <a:schemeClr val="accent1"/>
+          </a:effectRef>
+          <a:fontRef idx="minor">
+            <a:schemeClr val="tx1"/>
+          </a:fontRef>
+        </p:style>
+      </p:cxnSp>
+      <p:sp>
+        <p:nvSpPr>
+          <p:cNvPr id="64" name="文本框 63"/>
+          <p:cNvSpPr txBox="1"/>
+          <p:nvPr>
+            <p:custDataLst>
+              <p:tags r:id="rId6"/>
+            </p:custDataLst>
+          </p:nvPr>
+        </p:nvSpPr>
+        <p:spPr>
+          <a:xfrm>
+            <a:off x="8869680" y="4700905"/>
+            <a:ext cx="577850" cy="368300"/>
+          </a:xfrm>
+          <a:prstGeom prst="rect">
+            <a:avLst/>
+          </a:prstGeom>
+          <a:noFill/>
+        </p:spPr>
+        <p:txBody>
+          <a:bodyPr wrap="square" rtlCol="0">
+            <a:spAutoFit/>
+          </a:bodyPr>
+          <a:p>
+            <a:r>
+              <a:rPr lang="en-US" altLang="zh-CN"/>
+              <a:t>L</a:t>
+            </a:r>
+            <a:r>
+              <a:rPr lang="en-US" altLang="zh-CN" baseline="-25000"/>
+              <a:t>T</a:t>
+            </a:r>
+            <a:endParaRPr lang="en-US" altLang="zh-CN" baseline="-25000"/>
+          </a:p>
+        </p:txBody>
+      </p:sp>
+      <p:cxnSp>
+        <p:nvCxnSpPr>
+          <p:cNvPr id="67" name="直接箭头连接符 66"/>
+          <p:cNvCxnSpPr/>
+          <p:nvPr>
+            <p:custDataLst>
+              <p:tags r:id="rId7"/>
+            </p:custDataLst>
+          </p:nvPr>
+        </p:nvCxnSpPr>
+        <p:spPr>
+          <a:xfrm>
+            <a:off x="3758565" y="1920240"/>
+            <a:ext cx="1763395" cy="21590"/>
+          </a:xfrm>
+          <a:prstGeom prst="straightConnector1">
+            <a:avLst/>
+          </a:prstGeom>
+          <a:ln>
+            <a:solidFill>
+              <a:schemeClr val="tx1"/>
+            </a:solidFill>
+            <a:tailEnd type="triangle"/>
+          </a:ln>
+        </p:spPr>
+        <p:style>
+          <a:lnRef idx="1">
+            <a:schemeClr val="accent1"/>
+          </a:lnRef>
+          <a:fillRef idx="0">
+            <a:schemeClr val="accent1"/>
+          </a:fillRef>
+          <a:effectRef idx="0">
+            <a:schemeClr val="accent1"/>
+          </a:effectRef>
+          <a:fontRef idx="minor">
+            <a:schemeClr val="tx1"/>
+          </a:fontRef>
+        </p:style>
+      </p:cxnSp>
+      <p:sp>
+        <p:nvSpPr>
+          <p:cNvPr id="68" name="矩形 67"/>
+          <p:cNvSpPr/>
+          <p:nvPr>
+            <p:custDataLst>
+              <p:tags r:id="rId8"/>
+            </p:custDataLst>
+          </p:nvPr>
+        </p:nvSpPr>
+        <p:spPr>
+          <a:xfrm>
+            <a:off x="9161780" y="4130040"/>
+            <a:ext cx="285750" cy="517525"/>
+          </a:xfrm>
+          <a:prstGeom prst="rect">
+            <a:avLst/>
+          </a:prstGeom>
+          <a:solidFill>
+            <a:schemeClr val="bg2">
+              <a:lumMod val="65000"/>
+            </a:schemeClr>
+          </a:solidFill>
+          <a:ln>
+            <a:noFill/>
+          </a:ln>
+        </p:spPr>
+        <p:style>
+          <a:lnRef idx="2">
+            <a:schemeClr val="accent3">
+              <a:shade val="50000"/>
+            </a:schemeClr>
+          </a:lnRef>
+          <a:fillRef idx="1">
+            <a:schemeClr val="accent3"/>
+          </a:fillRef>
+          <a:effectRef idx="0">
+            <a:schemeClr val="accent3"/>
+          </a:effectRef>
+          <a:fontRef idx="minor">
+            <a:schemeClr val="lt1"/>
+          </a:fontRef>
+        </p:style>
+        <p:txBody>
+          <a:bodyPr rtlCol="0" anchor="ctr"/>
+          <a:p>
+            <a:pPr algn="ctr"/>
+            <a:endParaRPr lang="en-US" altLang="zh-CN"/>
+          </a:p>
+        </p:txBody>
+      </p:sp>
+      <p:cxnSp>
+        <p:nvCxnSpPr>
+          <p:cNvPr id="86" name="直接箭头连接符 85"/>
+          <p:cNvCxnSpPr/>
+          <p:nvPr>
+            <p:custDataLst>
+              <p:tags r:id="rId9"/>
+            </p:custDataLst>
+          </p:nvPr>
+        </p:nvCxnSpPr>
+        <p:spPr>
+          <a:xfrm flipH="1" flipV="1">
+            <a:off x="9302115" y="1274445"/>
+            <a:ext cx="8255" cy="392430"/>
+          </a:xfrm>
+          <a:prstGeom prst="straightConnector1">
+            <a:avLst/>
+          </a:prstGeom>
+          <a:ln>
+            <a:solidFill>
+              <a:schemeClr val="accent2"/>
+            </a:solidFill>
+            <a:tailEnd type="triangle"/>
+          </a:ln>
+        </p:spPr>
+        <p:style>
+          <a:lnRef idx="1">
+            <a:schemeClr val="accent1"/>
+          </a:lnRef>
+          <a:fillRef idx="0">
+            <a:schemeClr val="accent1"/>
+          </a:fillRef>
+          <a:effectRef idx="0">
+            <a:schemeClr val="accent1"/>
+          </a:effectRef>
+          <a:fontRef idx="minor">
+            <a:schemeClr val="tx1"/>
+          </a:fontRef>
+        </p:style>
+      </p:cxnSp>
+      <p:sp>
+        <p:nvSpPr>
+          <p:cNvPr id="88" name="文本框 87"/>
+          <p:cNvSpPr txBox="1"/>
+          <p:nvPr>
+            <p:custDataLst>
+              <p:tags r:id="rId10"/>
+            </p:custDataLst>
+          </p:nvPr>
+        </p:nvSpPr>
+        <p:spPr>
+          <a:xfrm>
+            <a:off x="9149080" y="906145"/>
+            <a:ext cx="577850" cy="368300"/>
+          </a:xfrm>
+          <a:prstGeom prst="rect">
+            <a:avLst/>
+          </a:prstGeom>
+          <a:noFill/>
+        </p:spPr>
+        <p:txBody>
+          <a:bodyPr wrap="square" rtlCol="0">
+            <a:spAutoFit/>
+          </a:bodyPr>
+          <a:p>
+            <a:r>
+              <a:rPr lang="en-US" altLang="zh-CN"/>
+              <a:t>L</a:t>
+            </a:r>
+            <a:r>
+              <a:rPr lang="en-US" altLang="zh-CN" baseline="-25000"/>
+              <a:t>Y</a:t>
+            </a:r>
+            <a:endParaRPr lang="en-US" altLang="zh-CN" baseline="-25000"/>
+          </a:p>
+        </p:txBody>
+      </p:sp>
+      <p:sp>
+        <p:nvSpPr>
+          <p:cNvPr id="112" name="矩形 111"/>
+          <p:cNvSpPr/>
+          <p:nvPr>
+            <p:custDataLst>
+              <p:tags r:id="rId11"/>
+            </p:custDataLst>
+          </p:nvPr>
+        </p:nvSpPr>
+        <p:spPr>
+          <a:xfrm>
+            <a:off x="9166860" y="1666875"/>
+            <a:ext cx="285750" cy="517525"/>
+          </a:xfrm>
+          <a:prstGeom prst="rect">
+            <a:avLst/>
+          </a:prstGeom>
+          <a:solidFill>
+            <a:schemeClr val="bg2">
+              <a:lumMod val="65000"/>
+            </a:schemeClr>
+          </a:solidFill>
+          <a:ln>
+            <a:noFill/>
+          </a:ln>
+        </p:spPr>
+        <p:style>
+          <a:lnRef idx="2">
+            <a:schemeClr val="accent3">
+              <a:shade val="50000"/>
+            </a:schemeClr>
+          </a:lnRef>
+          <a:fillRef idx="1">
+            <a:schemeClr val="accent3"/>
+          </a:fillRef>
+          <a:effectRef idx="0">
+            <a:schemeClr val="accent3"/>
+          </a:effectRef>
+          <a:fontRef idx="minor">
+            <a:schemeClr val="lt1"/>
+          </a:fontRef>
+        </p:style>
+        <p:txBody>
+          <a:bodyPr rtlCol="0" anchor="ctr"/>
+          <a:p>
+            <a:pPr algn="ctr"/>
+            <a:endParaRPr lang="en-US" altLang="zh-CN"/>
+          </a:p>
+        </p:txBody>
+      </p:sp>
+      <p:cxnSp>
+        <p:nvCxnSpPr>
+          <p:cNvPr id="120" name="直接箭头连接符 119"/>
+          <p:cNvCxnSpPr>
+            <a:endCxn id="112" idx="2"/>
+          </p:cNvCxnSpPr>
+          <p:nvPr>
+            <p:custDataLst>
+              <p:tags r:id="rId12"/>
+            </p:custDataLst>
+          </p:nvPr>
+        </p:nvCxnSpPr>
+        <p:spPr>
+          <a:xfrm flipH="1" flipV="1">
+            <a:off x="9309735" y="2184400"/>
+            <a:ext cx="13970" cy="1945005"/>
+          </a:xfrm>
+          <a:prstGeom prst="straightConnector1">
+            <a:avLst/>
+          </a:prstGeom>
+          <a:ln>
+            <a:solidFill>
+              <a:schemeClr val="tx1"/>
+            </a:solidFill>
+            <a:tailEnd type="triangle"/>
+          </a:ln>
+        </p:spPr>
+        <p:style>
+          <a:lnRef idx="1">
+            <a:schemeClr val="accent1"/>
+          </a:lnRef>
+          <a:fillRef idx="0">
+            <a:schemeClr val="accent1"/>
+          </a:fillRef>
+          <a:effectRef idx="0">
+            <a:schemeClr val="accent1"/>
+          </a:effectRef>
+          <a:fontRef idx="minor">
+            <a:schemeClr val="tx1"/>
+          </a:fontRef>
+        </p:style>
+      </p:cxnSp>
+      <p:graphicFrame>
+        <p:nvGraphicFramePr>
+          <p:cNvPr id="128" name="对象 127"/>
+          <p:cNvGraphicFramePr/>
+          <p:nvPr>
+            <p:custDataLst>
+              <p:tags r:id="rId13"/>
+            </p:custDataLst>
+          </p:nvPr>
+        </p:nvGraphicFramePr>
+        <p:xfrm>
+          <a:off x="9493885" y="4130040"/>
+          <a:ext cx="388620" cy="350520"/>
+        </p:xfrm>
+        <a:graphic>
+          <a:graphicData uri="http://schemas.openxmlformats.org/presentationml/2006/ole">
+            <mc:AlternateContent xmlns:mc="http://schemas.openxmlformats.org/markup-compatibility/2006">
+              <mc:Choice xmlns:v="urn:schemas-microsoft-com:vml" Requires="v">
+                <p:oleObj spid="_x0000_s129" name="" r:id="rId14" imgW="320675" imgH="335280" progId="Equation.KSEE3">
+                  <p:embed/>
+                </p:oleObj>
+              </mc:Choice>
+              <mc:Fallback>
+                <p:oleObj name="" r:id="rId14" imgW="320675" imgH="335280" progId="Equation.KSEE3">
+                  <p:embed/>
+                  <p:pic>
+                    <p:nvPicPr>
+                      <p:cNvPr id="0" name="图片 59"/>
+                      <p:cNvPicPr/>
+                      <p:nvPr/>
+                    </p:nvPicPr>
+                    <p:blipFill>
+                      <a:blip r:embed="rId15"/>
+                      <a:stretch>
+                        <a:fillRect/>
+                      </a:stretch>
+                    </p:blipFill>
+                    <p:spPr>
+                      <a:xfrm>
+                        <a:off x="9493885" y="4130040"/>
+                        <a:ext cx="388620" cy="350520"/>
+                      </a:xfrm>
+                      <a:prstGeom prst="rect">
+                        <a:avLst/>
+                      </a:prstGeom>
+                    </p:spPr>
+                  </p:pic>
+                </p:oleObj>
+              </mc:Fallback>
+            </mc:AlternateContent>
+          </a:graphicData>
+        </a:graphic>
+      </p:graphicFrame>
+      <p:graphicFrame>
+        <p:nvGraphicFramePr>
+          <p:cNvPr id="130" name="对象 129"/>
+          <p:cNvGraphicFramePr/>
+          <p:nvPr>
+            <p:custDataLst>
+              <p:tags r:id="rId16"/>
+            </p:custDataLst>
+          </p:nvPr>
+        </p:nvGraphicFramePr>
+        <p:xfrm>
+          <a:off x="9500553" y="1666558"/>
+          <a:ext cx="768985" cy="466725"/>
+        </p:xfrm>
+        <a:graphic>
+          <a:graphicData uri="http://schemas.openxmlformats.org/presentationml/2006/ole">
+            <mc:AlternateContent xmlns:mc="http://schemas.openxmlformats.org/markup-compatibility/2006">
+              <mc:Choice xmlns:v="urn:schemas-microsoft-com:vml" Requires="v">
+                <p:oleObj spid="_x0000_s131" name="" r:id="rId17" imgW="355600" imgH="254000" progId="Equation.KSEE3">
+                  <p:embed/>
+                </p:oleObj>
+              </mc:Choice>
+              <mc:Fallback>
+                <p:oleObj name="" r:id="rId17" imgW="355600" imgH="254000" progId="Equation.KSEE3">
+                  <p:embed/>
+                  <p:pic>
+                    <p:nvPicPr>
+                      <p:cNvPr id="0" name="图片 59"/>
+                      <p:cNvPicPr/>
+                      <p:nvPr/>
+                    </p:nvPicPr>
+                    <p:blipFill>
+                      <a:blip r:embed="rId18"/>
+                      <a:stretch>
+                        <a:fillRect/>
+                      </a:stretch>
+                    </p:blipFill>
+                    <p:spPr>
+                      <a:xfrm>
+                        <a:off x="9500553" y="1666558"/>
+                        <a:ext cx="768985" cy="466725"/>
+                      </a:xfrm>
+                      <a:prstGeom prst="rect">
+                        <a:avLst/>
+                      </a:prstGeom>
+                    </p:spPr>
+                  </p:pic>
+                </p:oleObj>
+              </mc:Fallback>
+            </mc:AlternateContent>
+          </a:graphicData>
+        </a:graphic>
+      </p:graphicFrame>
+      <p:sp>
+        <p:nvSpPr>
+          <p:cNvPr id="6" name="文本框 5"/>
+          <p:cNvSpPr txBox="1"/>
+          <p:nvPr>
+            <p:custDataLst>
+              <p:tags r:id="rId19"/>
+            </p:custDataLst>
+          </p:nvPr>
+        </p:nvSpPr>
+        <p:spPr>
+          <a:xfrm>
+            <a:off x="2677160" y="2799715"/>
+            <a:ext cx="1909445" cy="789940"/>
+          </a:xfrm>
+          <a:prstGeom prst="rect">
+            <a:avLst/>
+          </a:prstGeom>
+          <a:solidFill>
+            <a:schemeClr val="accent3">
+              <a:lumMod val="40000"/>
+              <a:lumOff val="60000"/>
+            </a:schemeClr>
+          </a:solidFill>
+        </p:spPr>
+        <p:txBody>
+          <a:bodyPr wrap="square" rtlCol="0">
+            <a:noAutofit/>
+          </a:bodyPr>
+          <a:p>
+            <a:pPr indent="0" algn="ctr" fontAlgn="auto">
+              <a:lnSpc>
+                <a:spcPct val="200000"/>
+              </a:lnSpc>
+            </a:pPr>
+            <a:r>
+              <a:rPr lang="zh-CN" altLang="en-US"/>
+              <a:t>互信息</a:t>
+            </a:r>
+            <a:r>
+              <a:rPr lang="zh-CN" altLang="en-US"/>
+              <a:t>解耦模块</a:t>
+            </a:r>
+            <a:endParaRPr lang="zh-CN" altLang="en-US"/>
+          </a:p>
+        </p:txBody>
+      </p:sp>
+      <p:cxnSp>
+        <p:nvCxnSpPr>
+          <p:cNvPr id="44" name="直接连接符 43"/>
+          <p:cNvCxnSpPr/>
+          <p:nvPr>
+            <p:custDataLst>
+              <p:tags r:id="rId20"/>
+            </p:custDataLst>
+          </p:nvPr>
+        </p:nvCxnSpPr>
+        <p:spPr>
+          <a:xfrm>
+            <a:off x="3758565" y="1910080"/>
+            <a:ext cx="0" cy="892175"/>
+          </a:xfrm>
+          <a:prstGeom prst="line">
+            <a:avLst/>
+          </a:prstGeom>
+          <a:ln>
+            <a:solidFill>
+              <a:schemeClr val="tx1"/>
+            </a:solidFill>
+          </a:ln>
+        </p:spPr>
+        <p:style>
+          <a:lnRef idx="1">
+            <a:schemeClr val="accent1"/>
+          </a:lnRef>
+          <a:fillRef idx="0">
+            <a:schemeClr val="accent1"/>
+          </a:fillRef>
+          <a:effectRef idx="0">
+            <a:schemeClr val="accent1"/>
+          </a:effectRef>
+          <a:fontRef idx="minor">
+            <a:schemeClr val="tx1"/>
+          </a:fontRef>
+        </p:style>
+      </p:cxnSp>
+      <p:sp>
+        <p:nvSpPr>
+          <p:cNvPr id="9" name="矩形 8"/>
+          <p:cNvSpPr/>
+          <p:nvPr>
+            <p:custDataLst>
+              <p:tags r:id="rId21"/>
+            </p:custDataLst>
+          </p:nvPr>
+        </p:nvSpPr>
+        <p:spPr>
+          <a:xfrm>
+            <a:off x="5521960" y="4130040"/>
+            <a:ext cx="285750" cy="517525"/>
+          </a:xfrm>
+          <a:prstGeom prst="rect">
+            <a:avLst/>
+          </a:prstGeom>
+          <a:solidFill>
+            <a:schemeClr val="accent4">
+              <a:lumMod val="60000"/>
+              <a:lumOff val="40000"/>
+            </a:schemeClr>
+          </a:solidFill>
+          <a:ln>
+            <a:noFill/>
+          </a:ln>
+        </p:spPr>
+        <p:style>
+          <a:lnRef idx="2">
+            <a:schemeClr val="accent3">
+              <a:shade val="50000"/>
+            </a:schemeClr>
+          </a:lnRef>
+          <a:fillRef idx="1">
+            <a:schemeClr val="accent3"/>
+          </a:fillRef>
+          <a:effectRef idx="0">
+            <a:schemeClr val="accent3"/>
+          </a:effectRef>
+          <a:fontRef idx="minor">
+            <a:schemeClr val="lt1"/>
+          </a:fontRef>
+        </p:style>
+        <p:txBody>
+          <a:bodyPr rtlCol="0" anchor="ctr"/>
+          <a:p>
+            <a:pPr algn="ctr"/>
+            <a:endParaRPr lang="en-US" altLang="zh-CN"/>
+          </a:p>
+        </p:txBody>
+      </p:sp>
+      <p:sp>
+        <p:nvSpPr>
+          <p:cNvPr id="11" name="文本框 10"/>
+          <p:cNvSpPr txBox="1"/>
+          <p:nvPr>
+            <p:custDataLst>
+              <p:tags r:id="rId22"/>
+            </p:custDataLst>
+          </p:nvPr>
+        </p:nvSpPr>
+        <p:spPr>
+          <a:xfrm>
+            <a:off x="5521960" y="4665980"/>
+            <a:ext cx="551815" cy="368300"/>
+          </a:xfrm>
+          <a:prstGeom prst="rect">
+            <a:avLst/>
+          </a:prstGeom>
+          <a:noFill/>
+        </p:spPr>
+        <p:txBody>
+          <a:bodyPr wrap="square" rtlCol="0">
+            <a:spAutoFit/>
+          </a:bodyPr>
+          <a:p>
+            <a:r>
+              <a:rPr lang="en-US" altLang="zh-CN"/>
+              <a:t>X</a:t>
+            </a:r>
+            <a:r>
+              <a:rPr lang="en-US" altLang="zh-CN" baseline="-25000"/>
+              <a:t>1</a:t>
+            </a:r>
+            <a:endParaRPr lang="en-US" altLang="zh-CN" baseline="-25000"/>
+          </a:p>
+        </p:txBody>
+      </p:sp>
+      <p:sp>
+        <p:nvSpPr>
+          <p:cNvPr id="12" name="文本框 11"/>
+          <p:cNvSpPr txBox="1"/>
+          <p:nvPr>
+            <p:custDataLst>
+              <p:tags r:id="rId23"/>
+            </p:custDataLst>
+          </p:nvPr>
+        </p:nvSpPr>
+        <p:spPr>
+          <a:xfrm>
+            <a:off x="5452110" y="1279525"/>
+            <a:ext cx="551815" cy="368300"/>
+          </a:xfrm>
+          <a:prstGeom prst="rect">
+            <a:avLst/>
+          </a:prstGeom>
+          <a:noFill/>
+        </p:spPr>
+        <p:txBody>
+          <a:bodyPr wrap="square" rtlCol="0">
+            <a:spAutoFit/>
+          </a:bodyPr>
+          <a:p>
+            <a:r>
+              <a:rPr lang="en-US" altLang="zh-CN"/>
+              <a:t>X</a:t>
+            </a:r>
+            <a:r>
+              <a:rPr lang="en-US" altLang="zh-CN" baseline="-25000"/>
+              <a:t>0</a:t>
+            </a:r>
+            <a:endParaRPr lang="en-US" altLang="zh-CN" baseline="-25000"/>
+          </a:p>
+        </p:txBody>
+      </p:sp>
+      <p:sp>
+        <p:nvSpPr>
+          <p:cNvPr id="13" name="矩形 12"/>
+          <p:cNvSpPr/>
+          <p:nvPr>
+            <p:custDataLst>
+              <p:tags r:id="rId24"/>
+            </p:custDataLst>
+          </p:nvPr>
+        </p:nvSpPr>
+        <p:spPr>
+          <a:xfrm>
+            <a:off x="5521960" y="1677670"/>
+            <a:ext cx="285750" cy="517525"/>
+          </a:xfrm>
+          <a:prstGeom prst="rect">
+            <a:avLst/>
+          </a:prstGeom>
+          <a:solidFill>
+            <a:schemeClr val="accent4">
+              <a:lumMod val="60000"/>
+              <a:lumOff val="40000"/>
+            </a:schemeClr>
+          </a:solidFill>
+          <a:ln>
+            <a:noFill/>
+          </a:ln>
+        </p:spPr>
+        <p:style>
+          <a:lnRef idx="2">
+            <a:schemeClr val="accent3">
+              <a:shade val="50000"/>
+            </a:schemeClr>
+          </a:lnRef>
+          <a:fillRef idx="1">
+            <a:schemeClr val="accent3"/>
+          </a:fillRef>
+          <a:effectRef idx="0">
+            <a:schemeClr val="accent3"/>
+          </a:effectRef>
+          <a:fontRef idx="minor">
+            <a:schemeClr val="lt1"/>
+          </a:fontRef>
+        </p:style>
+        <p:txBody>
+          <a:bodyPr rtlCol="0" anchor="ctr"/>
+          <a:p>
+            <a:pPr algn="ctr"/>
+            <a:endParaRPr lang="en-US" altLang="zh-CN"/>
+          </a:p>
+        </p:txBody>
+      </p:sp>
+      <p:cxnSp>
+        <p:nvCxnSpPr>
+          <p:cNvPr id="14" name="直接连接符 13"/>
+          <p:cNvCxnSpPr/>
+          <p:nvPr>
+            <p:custDataLst>
+              <p:tags r:id="rId25"/>
+            </p:custDataLst>
+          </p:nvPr>
+        </p:nvCxnSpPr>
+        <p:spPr>
+          <a:xfrm flipH="1">
+            <a:off x="3781425" y="3576955"/>
+            <a:ext cx="9525" cy="871855"/>
+          </a:xfrm>
+          <a:prstGeom prst="line">
+            <a:avLst/>
+          </a:prstGeom>
+          <a:ln>
+            <a:solidFill>
+              <a:schemeClr val="tx1"/>
+            </a:solidFill>
+          </a:ln>
+        </p:spPr>
+        <p:style>
+          <a:lnRef idx="1">
+            <a:schemeClr val="accent1"/>
+          </a:lnRef>
+          <a:fillRef idx="0">
+            <a:schemeClr val="accent1"/>
+          </a:fillRef>
+          <a:effectRef idx="0">
+            <a:schemeClr val="accent1"/>
+          </a:effectRef>
+          <a:fontRef idx="minor">
+            <a:schemeClr val="tx1"/>
+          </a:fontRef>
+        </p:style>
+      </p:cxnSp>
+      <p:cxnSp>
+        <p:nvCxnSpPr>
+          <p:cNvPr id="15" name="直接箭头连接符 14"/>
+          <p:cNvCxnSpPr/>
+          <p:nvPr>
+            <p:custDataLst>
+              <p:tags r:id="rId26"/>
+            </p:custDataLst>
+          </p:nvPr>
+        </p:nvCxnSpPr>
+        <p:spPr>
+          <a:xfrm>
+            <a:off x="3771265" y="4422775"/>
+            <a:ext cx="1750695" cy="1270"/>
+          </a:xfrm>
+          <a:prstGeom prst="straightConnector1">
+            <a:avLst/>
+          </a:prstGeom>
+          <a:ln>
+            <a:solidFill>
+              <a:schemeClr val="tx1"/>
+            </a:solidFill>
+            <a:tailEnd type="triangle"/>
+          </a:ln>
+        </p:spPr>
+        <p:style>
+          <a:lnRef idx="1">
+            <a:schemeClr val="accent1"/>
+          </a:lnRef>
+          <a:fillRef idx="0">
+            <a:schemeClr val="accent1"/>
+          </a:fillRef>
+          <a:effectRef idx="0">
+            <a:schemeClr val="accent1"/>
+          </a:effectRef>
+          <a:fontRef idx="minor">
+            <a:schemeClr val="tx1"/>
+          </a:fontRef>
+        </p:style>
+      </p:cxnSp>
+      <p:sp>
+        <p:nvSpPr>
+          <p:cNvPr id="16" name="文本框 15"/>
+          <p:cNvSpPr txBox="1"/>
+          <p:nvPr>
+            <p:custDataLst>
+              <p:tags r:id="rId27"/>
+            </p:custDataLst>
+          </p:nvPr>
+        </p:nvSpPr>
+        <p:spPr>
+          <a:xfrm>
+            <a:off x="6696075" y="3980815"/>
+            <a:ext cx="1909445" cy="789940"/>
+          </a:xfrm>
+          <a:prstGeom prst="rect">
+            <a:avLst/>
+          </a:prstGeom>
+          <a:solidFill>
+            <a:schemeClr val="accent1">
+              <a:lumMod val="40000"/>
+              <a:lumOff val="60000"/>
+            </a:schemeClr>
+          </a:solidFill>
+        </p:spPr>
+        <p:txBody>
+          <a:bodyPr wrap="square" rtlCol="0">
+            <a:noAutofit/>
+          </a:bodyPr>
+          <a:p>
+            <a:pPr indent="0" algn="ctr" fontAlgn="auto">
+              <a:lnSpc>
+                <a:spcPct val="200000"/>
+              </a:lnSpc>
+            </a:pPr>
+            <a:r>
+              <a:rPr lang="zh-CN" altLang="en-US"/>
+              <a:t>治疗</a:t>
+            </a:r>
+            <a:r>
+              <a:rPr lang="zh-CN" altLang="en-US"/>
+              <a:t>预测模块</a:t>
+            </a:r>
+            <a:endParaRPr lang="zh-CN" altLang="en-US"/>
+          </a:p>
+        </p:txBody>
+      </p:sp>
+      <p:cxnSp>
+        <p:nvCxnSpPr>
+          <p:cNvPr id="17" name="直接连接符 16"/>
+          <p:cNvCxnSpPr>
+            <a:endCxn id="9" idx="3"/>
+          </p:cNvCxnSpPr>
+          <p:nvPr>
+            <p:custDataLst>
+              <p:tags r:id="rId28"/>
+            </p:custDataLst>
+          </p:nvPr>
+        </p:nvCxnSpPr>
+        <p:spPr>
+          <a:xfrm flipH="1">
+            <a:off x="5807710" y="4384675"/>
+            <a:ext cx="892810" cy="4445"/>
+          </a:xfrm>
+          <a:prstGeom prst="line">
+            <a:avLst/>
+          </a:prstGeom>
+          <a:ln>
+            <a:solidFill>
+              <a:schemeClr val="tx1"/>
+            </a:solidFill>
+          </a:ln>
+        </p:spPr>
+        <p:style>
+          <a:lnRef idx="1">
+            <a:schemeClr val="accent1"/>
+          </a:lnRef>
+          <a:fillRef idx="0">
+            <a:schemeClr val="accent1"/>
+          </a:fillRef>
+          <a:effectRef idx="0">
+            <a:schemeClr val="accent1"/>
+          </a:effectRef>
+          <a:fontRef idx="minor">
+            <a:schemeClr val="tx1"/>
+          </a:fontRef>
+        </p:style>
+      </p:cxnSp>
+      <p:sp>
+        <p:nvSpPr>
+          <p:cNvPr id="18" name="文本框 17"/>
+          <p:cNvSpPr txBox="1"/>
+          <p:nvPr>
+            <p:custDataLst>
+              <p:tags r:id="rId29"/>
+            </p:custDataLst>
+          </p:nvPr>
+        </p:nvSpPr>
+        <p:spPr>
+          <a:xfrm>
+            <a:off x="6647815" y="1548130"/>
+            <a:ext cx="1909445" cy="789940"/>
+          </a:xfrm>
+          <a:prstGeom prst="rect">
+            <a:avLst/>
+          </a:prstGeom>
+          <a:solidFill>
+            <a:schemeClr val="accent4">
+              <a:lumMod val="40000"/>
+              <a:lumOff val="60000"/>
+            </a:schemeClr>
+          </a:solidFill>
+        </p:spPr>
+        <p:txBody>
+          <a:bodyPr wrap="square" rtlCol="0">
+            <a:noAutofit/>
+          </a:bodyPr>
+          <a:p>
+            <a:pPr indent="0" algn="ctr" fontAlgn="auto">
+              <a:lnSpc>
+                <a:spcPct val="200000"/>
+              </a:lnSpc>
+            </a:pPr>
+            <a:r>
+              <a:rPr lang="zh-CN" altLang="en-US"/>
+              <a:t>结果预测模块</a:t>
+            </a:r>
+            <a:endParaRPr lang="zh-CN" altLang="en-US"/>
+          </a:p>
+        </p:txBody>
+      </p:sp>
+      <p:cxnSp>
+        <p:nvCxnSpPr>
+          <p:cNvPr id="20" name="直接连接符 19"/>
+          <p:cNvCxnSpPr>
+            <a:endCxn id="13" idx="3"/>
+          </p:cNvCxnSpPr>
+          <p:nvPr>
+            <p:custDataLst>
+              <p:tags r:id="rId30"/>
+            </p:custDataLst>
+          </p:nvPr>
+        </p:nvCxnSpPr>
+        <p:spPr>
+          <a:xfrm flipH="1">
+            <a:off x="5807710" y="1931035"/>
+            <a:ext cx="840105" cy="5715"/>
+          </a:xfrm>
+          <a:prstGeom prst="line">
+            <a:avLst/>
+          </a:prstGeom>
+          <a:ln>
+            <a:solidFill>
+              <a:schemeClr val="tx1"/>
+            </a:solidFill>
+          </a:ln>
+        </p:spPr>
+        <p:style>
+          <a:lnRef idx="1">
+            <a:schemeClr val="accent1"/>
+          </a:lnRef>
+          <a:fillRef idx="0">
+            <a:schemeClr val="accent1"/>
+          </a:fillRef>
+          <a:effectRef idx="0">
+            <a:schemeClr val="accent1"/>
+          </a:effectRef>
+          <a:fontRef idx="minor">
+            <a:schemeClr val="tx1"/>
+          </a:fontRef>
+        </p:style>
+      </p:cxnSp>
+      <p:cxnSp>
+        <p:nvCxnSpPr>
+          <p:cNvPr id="21" name="直接箭头连接符 20"/>
+          <p:cNvCxnSpPr>
+            <a:stCxn id="9" idx="0"/>
+          </p:cNvCxnSpPr>
+          <p:nvPr>
+            <p:custDataLst>
+              <p:tags r:id="rId31"/>
+            </p:custDataLst>
+          </p:nvPr>
+        </p:nvCxnSpPr>
+        <p:spPr>
+          <a:xfrm flipV="1">
+            <a:off x="5664835" y="2195195"/>
+            <a:ext cx="3810" cy="1934845"/>
+          </a:xfrm>
+          <a:prstGeom prst="straightConnector1">
+            <a:avLst/>
+          </a:prstGeom>
+          <a:ln>
+            <a:solidFill>
+              <a:schemeClr val="accent2"/>
+            </a:solidFill>
+            <a:headEnd type="triangle"/>
+            <a:tailEnd type="triangle" w="med" len="med"/>
+          </a:ln>
+        </p:spPr>
+        <p:style>
+          <a:lnRef idx="1">
+            <a:schemeClr val="accent1"/>
+          </a:lnRef>
+          <a:fillRef idx="0">
+            <a:schemeClr val="accent1"/>
+          </a:fillRef>
+          <a:effectRef idx="0">
+            <a:schemeClr val="accent1"/>
+          </a:effectRef>
+          <a:fontRef idx="minor">
+            <a:schemeClr val="tx1"/>
+          </a:fontRef>
+        </p:style>
+      </p:cxnSp>
+      <p:sp>
+        <p:nvSpPr>
+          <p:cNvPr id="22" name="文本框 21"/>
+          <p:cNvSpPr txBox="1"/>
+          <p:nvPr>
+            <p:custDataLst>
+              <p:tags r:id="rId32"/>
+            </p:custDataLst>
+          </p:nvPr>
+        </p:nvSpPr>
+        <p:spPr>
+          <a:xfrm>
+            <a:off x="5753735" y="3208655"/>
+            <a:ext cx="577850" cy="368300"/>
+          </a:xfrm>
+          <a:prstGeom prst="rect">
+            <a:avLst/>
+          </a:prstGeom>
+          <a:noFill/>
+        </p:spPr>
+        <p:txBody>
+          <a:bodyPr wrap="square" rtlCol="0">
+            <a:spAutoFit/>
+          </a:bodyPr>
+          <a:p>
+            <a:r>
+              <a:rPr lang="en-US" altLang="zh-CN"/>
+              <a:t>L</a:t>
+            </a:r>
+            <a:r>
+              <a:rPr lang="en-US" altLang="zh-CN" baseline="-25000"/>
+              <a:t>M</a:t>
+            </a:r>
+            <a:endParaRPr lang="en-US" altLang="zh-CN" baseline="-25000"/>
+          </a:p>
+        </p:txBody>
+      </p:sp>
+      <p:cxnSp>
+        <p:nvCxnSpPr>
+          <p:cNvPr id="24" name="直接箭头连接符 23"/>
+          <p:cNvCxnSpPr/>
+          <p:nvPr>
+            <p:custDataLst>
+              <p:tags r:id="rId33"/>
+            </p:custDataLst>
+          </p:nvPr>
+        </p:nvCxnSpPr>
+        <p:spPr>
+          <a:xfrm>
+            <a:off x="8557260" y="1941830"/>
+            <a:ext cx="607060" cy="0"/>
+          </a:xfrm>
+          <a:prstGeom prst="straightConnector1">
+            <a:avLst/>
+          </a:prstGeom>
+          <a:ln>
+            <a:solidFill>
+              <a:schemeClr val="tx1"/>
+            </a:solidFill>
+            <a:tailEnd type="triangle"/>
+          </a:ln>
+        </p:spPr>
+        <p:style>
+          <a:lnRef idx="1">
+            <a:schemeClr val="accent1"/>
+          </a:lnRef>
+          <a:fillRef idx="0">
+            <a:schemeClr val="accent1"/>
+          </a:fillRef>
+          <a:effectRef idx="0">
+            <a:schemeClr val="accent1"/>
+          </a:effectRef>
+          <a:fontRef idx="minor">
+            <a:schemeClr val="tx1"/>
+          </a:fontRef>
+        </p:style>
+      </p:cxnSp>
+    </p:spTree>
+  </p:cSld>
+  <p:clrMapOvr>
+    <a:masterClrMapping/>
+  </p:clrMapOvr>
+</p:sld>
+</file>
+
+<file path=ppt/slides/slide5.xml><?xml version="1.0" encoding="utf-8"?>
+<p:sld xmlns:a="http://schemas.openxmlformats.org/drawingml/2006/main" xmlns:r="http://schemas.openxmlformats.org/officeDocument/2006/relationships" xmlns:p="http://schemas.openxmlformats.org/presentationml/2006/main">
+  <p:cSld>
+    <p:spTree>
+      <p:nvGrpSpPr>
+        <p:cNvPr id="1" name=""/>
+        <p:cNvGrpSpPr/>
+        <p:nvPr/>
+      </p:nvGrpSpPr>
+      <p:grpSpPr/>
+      <p:pic>
+        <p:nvPicPr>
+          <p:cNvPr id="5" name="图片 4"/>
+          <p:cNvPicPr>
+            <a:picLocks noChangeAspect="1"/>
+          </p:cNvPicPr>
+          <p:nvPr>
+            <p:custDataLst>
+              <p:tags r:id="rId1"/>
+            </p:custDataLst>
+          </p:nvPr>
+        </p:nvPicPr>
+        <p:blipFill>
+          <a:blip r:embed="rId2"/>
+          <a:stretch>
+            <a:fillRect/>
+          </a:stretch>
+        </p:blipFill>
+        <p:spPr>
+          <a:xfrm>
+            <a:off x="582930" y="365760"/>
+            <a:ext cx="10834370" cy="3394075"/>
+          </a:xfrm>
+          <a:prstGeom prst="rect">
+            <a:avLst/>
+          </a:prstGeom>
+        </p:spPr>
+      </p:pic>
+      <p:pic>
+        <p:nvPicPr>
+          <p:cNvPr id="6" name="图片 5"/>
+          <p:cNvPicPr>
+            <a:picLocks noChangeAspect="1"/>
+          </p:cNvPicPr>
+          <p:nvPr>
+            <p:custDataLst>
+              <p:tags r:id="rId3"/>
+            </p:custDataLst>
+          </p:nvPr>
+        </p:nvPicPr>
+        <p:blipFill>
+          <a:blip r:embed="rId4"/>
+          <a:stretch>
+            <a:fillRect/>
+          </a:stretch>
+        </p:blipFill>
+        <p:spPr>
+          <a:xfrm>
+            <a:off x="678815" y="3759835"/>
+            <a:ext cx="10834370" cy="2847975"/>
+          </a:xfrm>
+          <a:prstGeom prst="rect">
+            <a:avLst/>
+          </a:prstGeom>
+        </p:spPr>
+      </p:pic>
+    </p:spTree>
+  </p:cSld>
+  <p:clrMapOvr>
+    <a:masterClrMapping/>
+  </p:clrMapOvr>
+</p:sld>
+</file>
+
+<file path=ppt/slides/slide6.xml><?xml version="1.0" encoding="utf-8"?>
+<p:sld xmlns:a="http://schemas.openxmlformats.org/drawingml/2006/main" xmlns:r="http://schemas.openxmlformats.org/officeDocument/2006/relationships" xmlns:p="http://schemas.openxmlformats.org/presentationml/2006/main">
+  <p:cSld>
+    <p:spTree>
+      <p:nvGrpSpPr>
+        <p:cNvPr id="1" name=""/>
+        <p:cNvGrpSpPr/>
+        <p:nvPr/>
+      </p:nvGrpSpPr>
+      <p:grpSpPr/>
+      <p:pic>
+        <p:nvPicPr>
+          <p:cNvPr id="5" name="图片 4"/>
+          <p:cNvPicPr>
+            <a:picLocks noChangeAspect="1"/>
+          </p:cNvPicPr>
+          <p:nvPr>
+            <p:custDataLst>
+              <p:tags r:id="rId1"/>
+            </p:custDataLst>
+          </p:nvPr>
+        </p:nvPicPr>
+        <p:blipFill>
+          <a:blip r:embed="rId2"/>
+          <a:stretch>
+            <a:fillRect/>
+          </a:stretch>
+        </p:blipFill>
+        <p:spPr>
+          <a:xfrm>
+            <a:off x="713105" y="215900"/>
+            <a:ext cx="10669270" cy="3213100"/>
+          </a:xfrm>
+          <a:prstGeom prst="rect">
+            <a:avLst/>
+          </a:prstGeom>
+        </p:spPr>
+      </p:pic>
+    </p:spTree>
+  </p:cSld>
+  <p:clrMapOvr>
+    <a:masterClrMapping/>
+  </p:clrMapOvr>
+</p:sld>
+</file>
+
 <file path=ppt/tags/tag1.xml><?xml version="1.0" encoding="utf-8"?>
 <p:tagLst xmlns:p="http://schemas.openxmlformats.org/presentationml/2006/main">
   <p:tag name="KSO_WM_BEAUTIFY_FLAG" val=""/>
@@ -6473,6 +7887,54 @@
 </p:tagLst>
 </file>
 
+<file path=ppt/tags/tag100.xml><?xml version="1.0" encoding="utf-8"?>
+<p:tagLst xmlns:p="http://schemas.openxmlformats.org/presentationml/2006/main">
+  <p:tag name="KSO_WM_BEAUTIFY_FLAG" val=""/>
+</p:tagLst>
+</file>
+
+<file path=ppt/tags/tag101.xml><?xml version="1.0" encoding="utf-8"?>
+<p:tagLst xmlns:p="http://schemas.openxmlformats.org/presentationml/2006/main">
+  <p:tag name="KSO_WM_BEAUTIFY_FLAG" val=""/>
+</p:tagLst>
+</file>
+
+<file path=ppt/tags/tag102.xml><?xml version="1.0" encoding="utf-8"?>
+<p:tagLst xmlns:p="http://schemas.openxmlformats.org/presentationml/2006/main">
+  <p:tag name="KSO_WM_BEAUTIFY_FLAG" val=""/>
+</p:tagLst>
+</file>
+
+<file path=ppt/tags/tag103.xml><?xml version="1.0" encoding="utf-8"?>
+<p:tagLst xmlns:p="http://schemas.openxmlformats.org/presentationml/2006/main">
+  <p:tag name="KSO_WM_BEAUTIFY_FLAG" val=""/>
+</p:tagLst>
+</file>
+
+<file path=ppt/tags/tag104.xml><?xml version="1.0" encoding="utf-8"?>
+<p:tagLst xmlns:p="http://schemas.openxmlformats.org/presentationml/2006/main">
+  <p:tag name="KSO_WM_BEAUTIFY_FLAG" val=""/>
+</p:tagLst>
+</file>
+
+<file path=ppt/tags/tag105.xml><?xml version="1.0" encoding="utf-8"?>
+<p:tagLst xmlns:p="http://schemas.openxmlformats.org/presentationml/2006/main">
+  <p:tag name="KSO_WM_BEAUTIFY_FLAG" val=""/>
+</p:tagLst>
+</file>
+
+<file path=ppt/tags/tag106.xml><?xml version="1.0" encoding="utf-8"?>
+<p:tagLst xmlns:p="http://schemas.openxmlformats.org/presentationml/2006/main">
+  <p:tag name="KSO_WM_BEAUTIFY_FLAG" val=""/>
+</p:tagLst>
+</file>
+
+<file path=ppt/tags/tag107.xml><?xml version="1.0" encoding="utf-8"?>
+<p:tagLst xmlns:p="http://schemas.openxmlformats.org/presentationml/2006/main">
+  <p:tag name="COMMONDATA" val="eyJoZGlkIjoiMDgzMjAxOGY1MjhjYWMwOWI4OTQ1NTc4ZmVmZmEzYTUifQ=="/>
+</p:tagLst>
+</file>
+
 <file path=ppt/tags/tag11.xml><?xml version="1.0" encoding="utf-8"?>
 <p:tagLst xmlns:p="http://schemas.openxmlformats.org/presentationml/2006/main">
   <p:tag name="KSO_WM_BEAUTIFY_FLAG" val=""/>
@@ -6883,7 +8345,43 @@
 
 <file path=ppt/tags/tag73.xml><?xml version="1.0" encoding="utf-8"?>
 <p:tagLst xmlns:p="http://schemas.openxmlformats.org/presentationml/2006/main">
-  <p:tag name="COMMONDATA" val="eyJoZGlkIjoiMDgzMjAxOGY1MjhjYWMwOWI4OTQ1NTc4ZmVmZmEzYTUifQ=="/>
+  <p:tag name="KSO_WM_BEAUTIFY_FLAG" val=""/>
+</p:tagLst>
+</file>
+
+<file path=ppt/tags/tag74.xml><?xml version="1.0" encoding="utf-8"?>
+<p:tagLst xmlns:p="http://schemas.openxmlformats.org/presentationml/2006/main">
+  <p:tag name="KSO_WM_BEAUTIFY_FLAG" val=""/>
+</p:tagLst>
+</file>
+
+<file path=ppt/tags/tag75.xml><?xml version="1.0" encoding="utf-8"?>
+<p:tagLst xmlns:p="http://schemas.openxmlformats.org/presentationml/2006/main">
+  <p:tag name="KSO_WM_BEAUTIFY_FLAG" val=""/>
+</p:tagLst>
+</file>
+
+<file path=ppt/tags/tag76.xml><?xml version="1.0" encoding="utf-8"?>
+<p:tagLst xmlns:p="http://schemas.openxmlformats.org/presentationml/2006/main">
+  <p:tag name="KSO_WM_BEAUTIFY_FLAG" val=""/>
+</p:tagLst>
+</file>
+
+<file path=ppt/tags/tag77.xml><?xml version="1.0" encoding="utf-8"?>
+<p:tagLst xmlns:p="http://schemas.openxmlformats.org/presentationml/2006/main">
+  <p:tag name="KSO_WM_BEAUTIFY_FLAG" val=""/>
+</p:tagLst>
+</file>
+
+<file path=ppt/tags/tag78.xml><?xml version="1.0" encoding="utf-8"?>
+<p:tagLst xmlns:p="http://schemas.openxmlformats.org/presentationml/2006/main">
+  <p:tag name="KSO_WM_BEAUTIFY_FLAG" val=""/>
+</p:tagLst>
+</file>
+
+<file path=ppt/tags/tag79.xml><?xml version="1.0" encoding="utf-8"?>
+<p:tagLst xmlns:p="http://schemas.openxmlformats.org/presentationml/2006/main">
+  <p:tag name="KSO_WM_BEAUTIFY_FLAG" val=""/>
 </p:tagLst>
 </file>
 
@@ -6893,7 +8391,127 @@
 </p:tagLst>
 </file>
 
+<file path=ppt/tags/tag80.xml><?xml version="1.0" encoding="utf-8"?>
+<p:tagLst xmlns:p="http://schemas.openxmlformats.org/presentationml/2006/main">
+  <p:tag name="KSO_WM_BEAUTIFY_FLAG" val=""/>
+</p:tagLst>
+</file>
+
+<file path=ppt/tags/tag81.xml><?xml version="1.0" encoding="utf-8"?>
+<p:tagLst xmlns:p="http://schemas.openxmlformats.org/presentationml/2006/main">
+  <p:tag name="KSO_WM_BEAUTIFY_FLAG" val=""/>
+</p:tagLst>
+</file>
+
+<file path=ppt/tags/tag82.xml><?xml version="1.0" encoding="utf-8"?>
+<p:tagLst xmlns:p="http://schemas.openxmlformats.org/presentationml/2006/main">
+  <p:tag name="KSO_WM_BEAUTIFY_FLAG" val=""/>
+</p:tagLst>
+</file>
+
+<file path=ppt/tags/tag83.xml><?xml version="1.0" encoding="utf-8"?>
+<p:tagLst xmlns:p="http://schemas.openxmlformats.org/presentationml/2006/main">
+  <p:tag name="KSO_WM_BEAUTIFY_FLAG" val=""/>
+</p:tagLst>
+</file>
+
+<file path=ppt/tags/tag84.xml><?xml version="1.0" encoding="utf-8"?>
+<p:tagLst xmlns:p="http://schemas.openxmlformats.org/presentationml/2006/main">
+  <p:tag name="KSO_WM_BEAUTIFY_FLAG" val=""/>
+</p:tagLst>
+</file>
+
+<file path=ppt/tags/tag85.xml><?xml version="1.0" encoding="utf-8"?>
+<p:tagLst xmlns:p="http://schemas.openxmlformats.org/presentationml/2006/main">
+  <p:tag name="KSO_WM_BEAUTIFY_FLAG" val=""/>
+</p:tagLst>
+</file>
+
+<file path=ppt/tags/tag86.xml><?xml version="1.0" encoding="utf-8"?>
+<p:tagLst xmlns:p="http://schemas.openxmlformats.org/presentationml/2006/main">
+  <p:tag name="KSO_WM_BEAUTIFY_FLAG" val=""/>
+</p:tagLst>
+</file>
+
+<file path=ppt/tags/tag87.xml><?xml version="1.0" encoding="utf-8"?>
+<p:tagLst xmlns:p="http://schemas.openxmlformats.org/presentationml/2006/main">
+  <p:tag name="KSO_WM_BEAUTIFY_FLAG" val=""/>
+</p:tagLst>
+</file>
+
+<file path=ppt/tags/tag88.xml><?xml version="1.0" encoding="utf-8"?>
+<p:tagLst xmlns:p="http://schemas.openxmlformats.org/presentationml/2006/main">
+  <p:tag name="KSO_WM_BEAUTIFY_FLAG" val=""/>
+</p:tagLst>
+</file>
+
+<file path=ppt/tags/tag89.xml><?xml version="1.0" encoding="utf-8"?>
+<p:tagLst xmlns:p="http://schemas.openxmlformats.org/presentationml/2006/main">
+  <p:tag name="KSO_WM_BEAUTIFY_FLAG" val=""/>
+</p:tagLst>
+</file>
+
 <file path=ppt/tags/tag9.xml><?xml version="1.0" encoding="utf-8"?>
+<p:tagLst xmlns:p="http://schemas.openxmlformats.org/presentationml/2006/main">
+  <p:tag name="KSO_WM_BEAUTIFY_FLAG" val=""/>
+</p:tagLst>
+</file>
+
+<file path=ppt/tags/tag90.xml><?xml version="1.0" encoding="utf-8"?>
+<p:tagLst xmlns:p="http://schemas.openxmlformats.org/presentationml/2006/main">
+  <p:tag name="KSO_WM_BEAUTIFY_FLAG" val=""/>
+</p:tagLst>
+</file>
+
+<file path=ppt/tags/tag91.xml><?xml version="1.0" encoding="utf-8"?>
+<p:tagLst xmlns:p="http://schemas.openxmlformats.org/presentationml/2006/main">
+  <p:tag name="KSO_WM_BEAUTIFY_FLAG" val=""/>
+</p:tagLst>
+</file>
+
+<file path=ppt/tags/tag92.xml><?xml version="1.0" encoding="utf-8"?>
+<p:tagLst xmlns:p="http://schemas.openxmlformats.org/presentationml/2006/main">
+  <p:tag name="KSO_WM_BEAUTIFY_FLAG" val=""/>
+</p:tagLst>
+</file>
+
+<file path=ppt/tags/tag93.xml><?xml version="1.0" encoding="utf-8"?>
+<p:tagLst xmlns:p="http://schemas.openxmlformats.org/presentationml/2006/main">
+  <p:tag name="KSO_WM_BEAUTIFY_FLAG" val=""/>
+</p:tagLst>
+</file>
+
+<file path=ppt/tags/tag94.xml><?xml version="1.0" encoding="utf-8"?>
+<p:tagLst xmlns:p="http://schemas.openxmlformats.org/presentationml/2006/main">
+  <p:tag name="KSO_WM_BEAUTIFY_FLAG" val=""/>
+</p:tagLst>
+</file>
+
+<file path=ppt/tags/tag95.xml><?xml version="1.0" encoding="utf-8"?>
+<p:tagLst xmlns:p="http://schemas.openxmlformats.org/presentationml/2006/main">
+  <p:tag name="KSO_WM_BEAUTIFY_FLAG" val=""/>
+</p:tagLst>
+</file>
+
+<file path=ppt/tags/tag96.xml><?xml version="1.0" encoding="utf-8"?>
+<p:tagLst xmlns:p="http://schemas.openxmlformats.org/presentationml/2006/main">
+  <p:tag name="KSO_WM_BEAUTIFY_FLAG" val=""/>
+</p:tagLst>
+</file>
+
+<file path=ppt/tags/tag97.xml><?xml version="1.0" encoding="utf-8"?>
+<p:tagLst xmlns:p="http://schemas.openxmlformats.org/presentationml/2006/main">
+  <p:tag name="KSO_WM_BEAUTIFY_FLAG" val=""/>
+</p:tagLst>
+</file>
+
+<file path=ppt/tags/tag98.xml><?xml version="1.0" encoding="utf-8"?>
+<p:tagLst xmlns:p="http://schemas.openxmlformats.org/presentationml/2006/main">
+  <p:tag name="KSO_WM_BEAUTIFY_FLAG" val=""/>
+</p:tagLst>
+</file>
+
+<file path=ppt/tags/tag99.xml><?xml version="1.0" encoding="utf-8"?>
 <p:tagLst xmlns:p="http://schemas.openxmlformats.org/presentationml/2006/main">
   <p:tag name="KSO_WM_BEAUTIFY_FLAG" val=""/>
 </p:tagLst>
